--- a/NCMB_ハンズオン.pptx
+++ b/NCMB_ハンズオン.pptx
@@ -3481,15 +3481,6 @@
               </a:rPr>
               <a:t>する場合</a:t>
             </a:r>
-            <a:endParaRPr kumimoji="0" lang="ja-JP" altLang="en-US" b="0" i="0" u="none" strike="noStrike" cap="none" normalizeH="0" baseline="0" dirty="0" smtClean="0">
-              <a:ln>
-                <a:noFill/>
-              </a:ln>
-              <a:solidFill>
-                <a:schemeClr val="tx1"/>
-              </a:solidFill>
-              <a:effectLst/>
-            </a:endParaRPr>
           </a:p>
         </p:txBody>
       </p:sp>
@@ -3605,15 +3596,6 @@
               </a:rPr>
               <a:t>読み書き</a:t>
             </a:r>
-            <a:endParaRPr kumimoji="0" lang="ja-JP" altLang="en-US" b="0" i="0" u="none" strike="noStrike" cap="none" normalizeH="0" baseline="0" dirty="0" smtClean="0">
-              <a:ln>
-                <a:noFill/>
-              </a:ln>
-              <a:solidFill>
-                <a:schemeClr val="tx1"/>
-              </a:solidFill>
-              <a:effectLst/>
-            </a:endParaRPr>
           </a:p>
         </p:txBody>
       </p:sp>
@@ -3717,15 +3699,6 @@
               </a:rPr>
               <a:t>インポート</a:t>
             </a:r>
-            <a:endParaRPr kumimoji="0" lang="ja-JP" altLang="en-US" b="0" i="0" u="none" strike="noStrike" cap="none" normalizeH="0" baseline="0" dirty="0" smtClean="0">
-              <a:ln>
-                <a:noFill/>
-              </a:ln>
-              <a:solidFill>
-                <a:schemeClr val="tx1"/>
-              </a:solidFill>
-              <a:effectLst/>
-            </a:endParaRPr>
           </a:p>
         </p:txBody>
       </p:sp>
@@ -3829,15 +3802,6 @@
               </a:rPr>
               <a:t>アプリ登録</a:t>
             </a:r>
-            <a:endParaRPr kumimoji="0" lang="ja-JP" altLang="en-US" b="0" i="0" u="none" strike="noStrike" cap="none" normalizeH="0" baseline="0" dirty="0" smtClean="0">
-              <a:ln>
-                <a:noFill/>
-              </a:ln>
-              <a:solidFill>
-                <a:schemeClr val="tx1"/>
-              </a:solidFill>
-              <a:effectLst/>
-            </a:endParaRPr>
           </a:p>
         </p:txBody>
       </p:sp>
@@ -3941,15 +3905,6 @@
               </a:rPr>
               <a:t>作成</a:t>
             </a:r>
-            <a:endParaRPr kumimoji="0" lang="ja-JP" altLang="en-US" b="0" i="0" u="none" strike="noStrike" cap="none" normalizeH="0" baseline="0" dirty="0" smtClean="0">
-              <a:ln>
-                <a:noFill/>
-              </a:ln>
-              <a:solidFill>
-                <a:schemeClr val="tx1"/>
-              </a:solidFill>
-              <a:effectLst/>
-            </a:endParaRPr>
           </a:p>
         </p:txBody>
       </p:sp>
@@ -4621,7 +4576,30 @@
           <a:p>
             <a:r>
               <a:rPr lang="ja-JP" altLang="en-US" dirty="0" smtClean="0"/>
-              <a:t>ユーザー会もあるよ！皆さん、たくさん情報共有しましょう。</a:t>
+              <a:t>ユーザー会もあるよ！皆さん、たくさん情報共有しましょう</a:t>
+            </a:r>
+            <a:r>
+              <a:rPr lang="ja-JP" altLang="en-US" dirty="0" smtClean="0"/>
+              <a:t>。</a:t>
+            </a:r>
+            <a:r>
+              <a:rPr lang="en-US" altLang="ja-JP" dirty="0" smtClean="0"/>
+              <a:t/>
+            </a:r>
+            <a:br>
+              <a:rPr lang="en-US" altLang="ja-JP" dirty="0" smtClean="0"/>
+            </a:br>
+            <a:r>
+              <a:rPr lang="en-US" altLang="ja-JP" dirty="0" smtClean="0"/>
+              <a:t>Git</a:t>
+            </a:r>
+            <a:r>
+              <a:rPr lang="en-US" altLang="ja-JP" dirty="0" smtClean="0"/>
+              <a:t>Hub</a:t>
+            </a:r>
+            <a:r>
+              <a:rPr lang="ja-JP" altLang="en-US" dirty="0" smtClean="0"/>
+              <a:t>に説明もあるから読んでね。</a:t>
             </a:r>
             <a:r>
               <a:rPr lang="en-US" altLang="ja-JP" dirty="0"/>
@@ -4631,15 +4609,26 @@
               <a:rPr lang="en-US" altLang="ja-JP" dirty="0"/>
             </a:br>
             <a:r>
-              <a:rPr lang="en-US" altLang="ja-JP" dirty="0"/>
+              <a:rPr lang="en-US" altLang="ja-JP" dirty="0">
+                <a:hlinkClick r:id="rId4"/>
+              </a:rPr>
               <a:t>https://</a:t>
             </a:r>
             <a:r>
+              <a:rPr lang="en-US" altLang="ja-JP" dirty="0" smtClean="0">
+                <a:hlinkClick r:id="rId4"/>
+              </a:rPr>
+              <a:t>github.com/hiroyuki-ichikawa/NCMB_shinsyu</a:t>
+            </a:r>
+            <a:r>
               <a:rPr lang="en-US" altLang="ja-JP" dirty="0" smtClean="0"/>
-              <a:t>github.com/hiroyuki-ichikawa/NCMB_shinsyu/</a:t>
-            </a:r>
-            <a:r>
-              <a:rPr lang="ja-JP" altLang="en-US" dirty="0"/>
+              <a:t/>
+            </a:r>
+            <a:br>
+              <a:rPr lang="en-US" altLang="ja-JP" dirty="0" smtClean="0"/>
+            </a:br>
+            <a:r>
+              <a:rPr lang="ja-JP" altLang="en-US" dirty="0" smtClean="0"/>
               <a:t>ニフティクラウド</a:t>
             </a:r>
             <a:r>
@@ -5911,15 +5900,6 @@
               </a:rPr>
               <a:t>する場合</a:t>
             </a:r>
-            <a:endParaRPr kumimoji="0" lang="ja-JP" altLang="en-US" b="0" i="0" u="none" strike="noStrike" cap="none" normalizeH="0" baseline="0" dirty="0" smtClean="0">
-              <a:ln>
-                <a:noFill/>
-              </a:ln>
-              <a:solidFill>
-                <a:schemeClr val="tx1"/>
-              </a:solidFill>
-              <a:effectLst/>
-            </a:endParaRPr>
           </a:p>
         </p:txBody>
       </p:sp>
@@ -6037,15 +6017,6 @@
               </a:rPr>
               <a:t>読み書き</a:t>
             </a:r>
-            <a:endParaRPr kumimoji="0" lang="ja-JP" altLang="en-US" b="0" i="0" u="none" strike="noStrike" cap="none" normalizeH="0" baseline="0" dirty="0" smtClean="0">
-              <a:ln>
-                <a:noFill/>
-              </a:ln>
-              <a:solidFill>
-                <a:schemeClr val="tx1"/>
-              </a:solidFill>
-              <a:effectLst/>
-            </a:endParaRPr>
           </a:p>
         </p:txBody>
       </p:sp>
@@ -6151,15 +6122,6 @@
               </a:rPr>
               <a:t>インポート</a:t>
             </a:r>
-            <a:endParaRPr kumimoji="0" lang="ja-JP" altLang="en-US" b="0" i="0" u="none" strike="noStrike" cap="none" normalizeH="0" baseline="0" dirty="0" smtClean="0">
-              <a:ln>
-                <a:noFill/>
-              </a:ln>
-              <a:solidFill>
-                <a:schemeClr val="tx1"/>
-              </a:solidFill>
-              <a:effectLst/>
-            </a:endParaRPr>
           </a:p>
         </p:txBody>
       </p:sp>
@@ -6265,15 +6227,6 @@
               </a:rPr>
               <a:t>アプリ登録</a:t>
             </a:r>
-            <a:endParaRPr kumimoji="0" lang="ja-JP" altLang="en-US" b="0" i="0" u="none" strike="noStrike" cap="none" normalizeH="0" baseline="0" dirty="0" smtClean="0">
-              <a:ln>
-                <a:noFill/>
-              </a:ln>
-              <a:solidFill>
-                <a:schemeClr val="tx1"/>
-              </a:solidFill>
-              <a:effectLst/>
-            </a:endParaRPr>
           </a:p>
         </p:txBody>
       </p:sp>
@@ -6379,15 +6332,6 @@
               </a:rPr>
               <a:t>作成</a:t>
             </a:r>
-            <a:endParaRPr kumimoji="0" lang="ja-JP" altLang="en-US" b="0" i="0" u="none" strike="noStrike" cap="none" normalizeH="0" baseline="0" dirty="0" smtClean="0">
-              <a:ln>
-                <a:noFill/>
-              </a:ln>
-              <a:solidFill>
-                <a:schemeClr val="tx1"/>
-              </a:solidFill>
-              <a:effectLst/>
-            </a:endParaRPr>
           </a:p>
         </p:txBody>
       </p:sp>
@@ -6710,15 +6654,6 @@
               </a:rPr>
               <a:t>する場合</a:t>
             </a:r>
-            <a:endParaRPr kumimoji="0" lang="ja-JP" altLang="en-US" b="0" i="0" u="none" strike="noStrike" cap="none" normalizeH="0" baseline="0" dirty="0" smtClean="0">
-              <a:ln>
-                <a:noFill/>
-              </a:ln>
-              <a:solidFill>
-                <a:schemeClr val="tx1"/>
-              </a:solidFill>
-              <a:effectLst/>
-            </a:endParaRPr>
           </a:p>
         </p:txBody>
       </p:sp>
@@ -6836,15 +6771,6 @@
               </a:rPr>
               <a:t>読み書き</a:t>
             </a:r>
-            <a:endParaRPr kumimoji="0" lang="ja-JP" altLang="en-US" b="0" i="0" u="none" strike="noStrike" cap="none" normalizeH="0" baseline="0" dirty="0" smtClean="0">
-              <a:ln>
-                <a:noFill/>
-              </a:ln>
-              <a:solidFill>
-                <a:schemeClr val="tx1"/>
-              </a:solidFill>
-              <a:effectLst/>
-            </a:endParaRPr>
           </a:p>
         </p:txBody>
       </p:sp>
@@ -6950,15 +6876,6 @@
               </a:rPr>
               <a:t>インポート</a:t>
             </a:r>
-            <a:endParaRPr kumimoji="0" lang="ja-JP" altLang="en-US" b="0" i="0" u="none" strike="noStrike" cap="none" normalizeH="0" baseline="0" dirty="0" smtClean="0">
-              <a:ln>
-                <a:noFill/>
-              </a:ln>
-              <a:solidFill>
-                <a:schemeClr val="tx1"/>
-              </a:solidFill>
-              <a:effectLst/>
-            </a:endParaRPr>
           </a:p>
         </p:txBody>
       </p:sp>
@@ -7064,15 +6981,6 @@
               </a:rPr>
               <a:t>アプリ登録</a:t>
             </a:r>
-            <a:endParaRPr kumimoji="0" lang="ja-JP" altLang="en-US" b="0" i="0" u="none" strike="noStrike" cap="none" normalizeH="0" baseline="0" dirty="0" smtClean="0">
-              <a:ln>
-                <a:noFill/>
-              </a:ln>
-              <a:solidFill>
-                <a:schemeClr val="tx1"/>
-              </a:solidFill>
-              <a:effectLst/>
-            </a:endParaRPr>
           </a:p>
         </p:txBody>
       </p:sp>
@@ -7176,15 +7084,6 @@
               </a:rPr>
               <a:t>作成</a:t>
             </a:r>
-            <a:endParaRPr kumimoji="0" lang="ja-JP" altLang="en-US" b="0" i="0" u="none" strike="noStrike" cap="none" normalizeH="0" baseline="0" dirty="0" smtClean="0">
-              <a:ln>
-                <a:noFill/>
-              </a:ln>
-              <a:solidFill>
-                <a:schemeClr val="tx1"/>
-              </a:solidFill>
-              <a:effectLst/>
-            </a:endParaRPr>
           </a:p>
         </p:txBody>
       </p:sp>
@@ -7563,15 +7462,6 @@
               </a:rPr>
               <a:t>する場合</a:t>
             </a:r>
-            <a:endParaRPr kumimoji="0" lang="ja-JP" altLang="en-US" b="0" i="0" u="none" strike="noStrike" cap="none" normalizeH="0" baseline="0" dirty="0" smtClean="0">
-              <a:ln>
-                <a:noFill/>
-              </a:ln>
-              <a:solidFill>
-                <a:schemeClr val="tx1"/>
-              </a:solidFill>
-              <a:effectLst/>
-            </a:endParaRPr>
           </a:p>
         </p:txBody>
       </p:sp>
@@ -7689,15 +7579,6 @@
               </a:rPr>
               <a:t>読み書き</a:t>
             </a:r>
-            <a:endParaRPr kumimoji="0" lang="ja-JP" altLang="en-US" b="0" i="0" u="none" strike="noStrike" cap="none" normalizeH="0" baseline="0" dirty="0" smtClean="0">
-              <a:ln>
-                <a:noFill/>
-              </a:ln>
-              <a:solidFill>
-                <a:schemeClr val="tx1"/>
-              </a:solidFill>
-              <a:effectLst/>
-            </a:endParaRPr>
           </a:p>
         </p:txBody>
       </p:sp>
@@ -7803,15 +7684,6 @@
               </a:rPr>
               <a:t>インポート</a:t>
             </a:r>
-            <a:endParaRPr kumimoji="0" lang="ja-JP" altLang="en-US" b="0" i="0" u="none" strike="noStrike" cap="none" normalizeH="0" baseline="0" dirty="0" smtClean="0">
-              <a:ln>
-                <a:noFill/>
-              </a:ln>
-              <a:solidFill>
-                <a:schemeClr val="tx1"/>
-              </a:solidFill>
-              <a:effectLst/>
-            </a:endParaRPr>
           </a:p>
         </p:txBody>
       </p:sp>
@@ -7915,15 +7787,6 @@
               </a:rPr>
               <a:t>アプリ登録</a:t>
             </a:r>
-            <a:endParaRPr kumimoji="0" lang="ja-JP" altLang="en-US" b="0" i="0" u="none" strike="noStrike" cap="none" normalizeH="0" baseline="0" dirty="0" smtClean="0">
-              <a:ln>
-                <a:noFill/>
-              </a:ln>
-              <a:solidFill>
-                <a:schemeClr val="tx1"/>
-              </a:solidFill>
-              <a:effectLst/>
-            </a:endParaRPr>
           </a:p>
         </p:txBody>
       </p:sp>
@@ -8027,15 +7890,6 @@
               </a:rPr>
               <a:t>作成</a:t>
             </a:r>
-            <a:endParaRPr kumimoji="0" lang="ja-JP" altLang="en-US" b="0" i="0" u="none" strike="noStrike" cap="none" normalizeH="0" baseline="0" dirty="0" smtClean="0">
-              <a:ln>
-                <a:noFill/>
-              </a:ln>
-              <a:solidFill>
-                <a:schemeClr val="tx1"/>
-              </a:solidFill>
-              <a:effectLst/>
-            </a:endParaRPr>
           </a:p>
         </p:txBody>
       </p:sp>
@@ -8482,15 +8336,6 @@
               </a:rPr>
               <a:t>する場合</a:t>
             </a:r>
-            <a:endParaRPr kumimoji="0" lang="ja-JP" altLang="en-US" b="0" i="0" u="none" strike="noStrike" cap="none" normalizeH="0" baseline="0" dirty="0" smtClean="0">
-              <a:ln>
-                <a:noFill/>
-              </a:ln>
-              <a:solidFill>
-                <a:schemeClr val="tx1"/>
-              </a:solidFill>
-              <a:effectLst/>
-            </a:endParaRPr>
           </a:p>
         </p:txBody>
       </p:sp>
@@ -8608,15 +8453,6 @@
               </a:rPr>
               <a:t>読み書き</a:t>
             </a:r>
-            <a:endParaRPr kumimoji="0" lang="ja-JP" altLang="en-US" b="0" i="0" u="none" strike="noStrike" cap="none" normalizeH="0" baseline="0" dirty="0" smtClean="0">
-              <a:ln>
-                <a:noFill/>
-              </a:ln>
-              <a:solidFill>
-                <a:schemeClr val="tx1"/>
-              </a:solidFill>
-              <a:effectLst/>
-            </a:endParaRPr>
           </a:p>
         </p:txBody>
       </p:sp>
@@ -8720,15 +8556,6 @@
               </a:rPr>
               <a:t>インポート</a:t>
             </a:r>
-            <a:endParaRPr kumimoji="0" lang="ja-JP" altLang="en-US" b="0" i="0" u="none" strike="noStrike" cap="none" normalizeH="0" baseline="0" dirty="0" smtClean="0">
-              <a:ln>
-                <a:noFill/>
-              </a:ln>
-              <a:solidFill>
-                <a:schemeClr val="tx1"/>
-              </a:solidFill>
-              <a:effectLst/>
-            </a:endParaRPr>
           </a:p>
         </p:txBody>
       </p:sp>
@@ -8832,15 +8659,6 @@
               </a:rPr>
               <a:t>アプリ登録</a:t>
             </a:r>
-            <a:endParaRPr kumimoji="0" lang="ja-JP" altLang="en-US" b="0" i="0" u="none" strike="noStrike" cap="none" normalizeH="0" baseline="0" dirty="0" smtClean="0">
-              <a:ln>
-                <a:noFill/>
-              </a:ln>
-              <a:solidFill>
-                <a:schemeClr val="tx1"/>
-              </a:solidFill>
-              <a:effectLst/>
-            </a:endParaRPr>
           </a:p>
         </p:txBody>
       </p:sp>
@@ -8944,15 +8762,6 @@
               </a:rPr>
               <a:t>作成</a:t>
             </a:r>
-            <a:endParaRPr kumimoji="0" lang="ja-JP" altLang="en-US" b="0" i="0" u="none" strike="noStrike" cap="none" normalizeH="0" baseline="0" dirty="0" smtClean="0">
-              <a:ln>
-                <a:noFill/>
-              </a:ln>
-              <a:solidFill>
-                <a:schemeClr val="tx1"/>
-              </a:solidFill>
-              <a:effectLst/>
-            </a:endParaRPr>
           </a:p>
         </p:txBody>
       </p:sp>
@@ -9397,15 +9206,6 @@
               </a:rPr>
               <a:t>する場合</a:t>
             </a:r>
-            <a:endParaRPr kumimoji="0" lang="ja-JP" altLang="en-US" b="0" i="0" u="none" strike="noStrike" cap="none" normalizeH="0" baseline="0" dirty="0" smtClean="0">
-              <a:ln>
-                <a:noFill/>
-              </a:ln>
-              <a:solidFill>
-                <a:schemeClr val="tx1"/>
-              </a:solidFill>
-              <a:effectLst/>
-            </a:endParaRPr>
           </a:p>
         </p:txBody>
       </p:sp>
@@ -9521,15 +9321,6 @@
               </a:rPr>
               <a:t>読み書き</a:t>
             </a:r>
-            <a:endParaRPr kumimoji="0" lang="ja-JP" altLang="en-US" b="0" i="0" u="none" strike="noStrike" cap="none" normalizeH="0" baseline="0" dirty="0" smtClean="0">
-              <a:ln>
-                <a:noFill/>
-              </a:ln>
-              <a:solidFill>
-                <a:schemeClr val="tx1"/>
-              </a:solidFill>
-              <a:effectLst/>
-            </a:endParaRPr>
           </a:p>
         </p:txBody>
       </p:sp>
@@ -9633,15 +9424,6 @@
               </a:rPr>
               <a:t>インポート</a:t>
             </a:r>
-            <a:endParaRPr kumimoji="0" lang="ja-JP" altLang="en-US" b="0" i="0" u="none" strike="noStrike" cap="none" normalizeH="0" baseline="0" dirty="0" smtClean="0">
-              <a:ln>
-                <a:noFill/>
-              </a:ln>
-              <a:solidFill>
-                <a:schemeClr val="tx1"/>
-              </a:solidFill>
-              <a:effectLst/>
-            </a:endParaRPr>
           </a:p>
         </p:txBody>
       </p:sp>
@@ -9745,15 +9527,6 @@
               </a:rPr>
               <a:t>アプリ登録</a:t>
             </a:r>
-            <a:endParaRPr kumimoji="0" lang="ja-JP" altLang="en-US" b="0" i="0" u="none" strike="noStrike" cap="none" normalizeH="0" baseline="0" dirty="0" smtClean="0">
-              <a:ln>
-                <a:noFill/>
-              </a:ln>
-              <a:solidFill>
-                <a:schemeClr val="tx1"/>
-              </a:solidFill>
-              <a:effectLst/>
-            </a:endParaRPr>
           </a:p>
         </p:txBody>
       </p:sp>
@@ -9857,15 +9630,6 @@
               </a:rPr>
               <a:t>作成</a:t>
             </a:r>
-            <a:endParaRPr kumimoji="0" lang="ja-JP" altLang="en-US" b="0" i="0" u="none" strike="noStrike" cap="none" normalizeH="0" baseline="0" dirty="0" smtClean="0">
-              <a:ln>
-                <a:noFill/>
-              </a:ln>
-              <a:solidFill>
-                <a:schemeClr val="tx1"/>
-              </a:solidFill>
-              <a:effectLst/>
-            </a:endParaRPr>
           </a:p>
         </p:txBody>
       </p:sp>
@@ -10271,15 +10035,6 @@
               </a:rPr>
               <a:t>する場合</a:t>
             </a:r>
-            <a:endParaRPr kumimoji="0" lang="ja-JP" altLang="en-US" b="0" i="0" u="none" strike="noStrike" cap="none" normalizeH="0" baseline="0" dirty="0" smtClean="0">
-              <a:ln>
-                <a:noFill/>
-              </a:ln>
-              <a:solidFill>
-                <a:schemeClr val="tx1"/>
-              </a:solidFill>
-              <a:effectLst/>
-            </a:endParaRPr>
           </a:p>
         </p:txBody>
       </p:sp>
@@ -10395,15 +10150,6 @@
               </a:rPr>
               <a:t>読み書き</a:t>
             </a:r>
-            <a:endParaRPr kumimoji="0" lang="ja-JP" altLang="en-US" b="0" i="0" u="none" strike="noStrike" cap="none" normalizeH="0" baseline="0" dirty="0" smtClean="0">
-              <a:ln>
-                <a:noFill/>
-              </a:ln>
-              <a:solidFill>
-                <a:schemeClr val="tx1"/>
-              </a:solidFill>
-              <a:effectLst/>
-            </a:endParaRPr>
           </a:p>
         </p:txBody>
       </p:sp>
@@ -10507,15 +10253,6 @@
               </a:rPr>
               <a:t>インポート</a:t>
             </a:r>
-            <a:endParaRPr kumimoji="0" lang="ja-JP" altLang="en-US" b="0" i="0" u="none" strike="noStrike" cap="none" normalizeH="0" baseline="0" dirty="0" smtClean="0">
-              <a:ln>
-                <a:noFill/>
-              </a:ln>
-              <a:solidFill>
-                <a:schemeClr val="tx1"/>
-              </a:solidFill>
-              <a:effectLst/>
-            </a:endParaRPr>
           </a:p>
         </p:txBody>
       </p:sp>
@@ -10619,15 +10356,6 @@
               </a:rPr>
               <a:t>アプリ登録</a:t>
             </a:r>
-            <a:endParaRPr kumimoji="0" lang="ja-JP" altLang="en-US" b="0" i="0" u="none" strike="noStrike" cap="none" normalizeH="0" baseline="0" dirty="0" smtClean="0">
-              <a:ln>
-                <a:noFill/>
-              </a:ln>
-              <a:solidFill>
-                <a:schemeClr val="tx1"/>
-              </a:solidFill>
-              <a:effectLst/>
-            </a:endParaRPr>
           </a:p>
         </p:txBody>
       </p:sp>
@@ -10731,15 +10459,6 @@
               </a:rPr>
               <a:t>作成</a:t>
             </a:r>
-            <a:endParaRPr kumimoji="0" lang="ja-JP" altLang="en-US" b="0" i="0" u="none" strike="noStrike" cap="none" normalizeH="0" baseline="0" dirty="0" smtClean="0">
-              <a:ln>
-                <a:noFill/>
-              </a:ln>
-              <a:solidFill>
-                <a:schemeClr val="tx1"/>
-              </a:solidFill>
-              <a:effectLst/>
-            </a:endParaRPr>
           </a:p>
         </p:txBody>
       </p:sp>

--- a/NCMB_ハンズオン.pptx
+++ b/NCMB_ハンズオン.pptx
@@ -4575,12 +4575,28 @@
           </a:p>
           <a:p>
             <a:r>
-              <a:rPr lang="ja-JP" altLang="en-US" dirty="0" smtClean="0"/>
-              <a:t>ユーザー会もあるよ！皆さん、たくさん情報共有しましょう</a:t>
-            </a:r>
-            <a:r>
-              <a:rPr lang="ja-JP" altLang="en-US" dirty="0" smtClean="0"/>
-              <a:t>。</a:t>
+              <a:rPr lang="en-US" altLang="ja-JP" dirty="0" err="1" smtClean="0"/>
+              <a:t>Javascript</a:t>
+            </a:r>
+            <a:r>
+              <a:rPr lang="ja-JP" altLang="en-US" dirty="0" smtClean="0"/>
+              <a:t>のサンプル</a:t>
+            </a:r>
+            <a:r>
+              <a:rPr lang="ja-JP" altLang="en-US" dirty="0" smtClean="0"/>
+              <a:t>（</a:t>
+            </a:r>
+            <a:r>
+              <a:rPr lang="en-US" altLang="ja-JP" dirty="0" err="1" smtClean="0"/>
+              <a:t>WebView</a:t>
+            </a:r>
+            <a:r>
+              <a:rPr lang="en-US" altLang="ja-JP" dirty="0" smtClean="0"/>
+              <a:t>/Monaca</a:t>
+            </a:r>
+            <a:r>
+              <a:rPr lang="ja-JP" altLang="en-US" smtClean="0"/>
+              <a:t>用）</a:t>
             </a:r>
             <a:r>
               <a:rPr lang="en-US" altLang="ja-JP" dirty="0" smtClean="0"/>
@@ -4591,11 +4607,55 @@
             </a:br>
             <a:r>
               <a:rPr lang="en-US" altLang="ja-JP" dirty="0" smtClean="0"/>
-              <a:t>Git</a:t>
+              <a:t>GitHub</a:t>
+            </a:r>
+            <a:r>
+              <a:rPr lang="ja-JP" altLang="en-US" dirty="0" smtClean="0"/>
+              <a:t>の</a:t>
+            </a:r>
+            <a:r>
+              <a:rPr lang="en-US" altLang="ja-JP" dirty="0" err="1" smtClean="0"/>
+              <a:t>Javascript</a:t>
+            </a:r>
+            <a:r>
+              <a:rPr lang="ja-JP" altLang="en-US" dirty="0" smtClean="0"/>
+              <a:t>フォルダ以下にあります。</a:t>
             </a:r>
             <a:r>
               <a:rPr lang="en-US" altLang="ja-JP" dirty="0" smtClean="0"/>
-              <a:t>Hub</a:t>
+              <a:t/>
+            </a:r>
+            <a:br>
+              <a:rPr lang="en-US" altLang="ja-JP" dirty="0" smtClean="0"/>
+            </a:br>
+            <a:r>
+              <a:rPr lang="en-US" altLang="ja-JP" dirty="0" smtClean="0"/>
+              <a:t>readme.txt</a:t>
+            </a:r>
+            <a:r>
+              <a:rPr lang="ja-JP" altLang="en-US" dirty="0" smtClean="0"/>
+              <a:t>を参考に利用してください。</a:t>
+            </a:r>
+            <a:endParaRPr lang="en-US" altLang="ja-JP" dirty="0" smtClean="0"/>
+          </a:p>
+          <a:p>
+            <a:endParaRPr lang="en-US" altLang="ja-JP" dirty="0"/>
+          </a:p>
+          <a:p>
+            <a:r>
+              <a:rPr lang="ja-JP" altLang="en-US" dirty="0" smtClean="0"/>
+              <a:t>ユーザー会もあるよ！皆さん、たくさん情報共有しましょう。</a:t>
+            </a:r>
+            <a:r>
+              <a:rPr lang="en-US" altLang="ja-JP" dirty="0" smtClean="0"/>
+              <a:t/>
+            </a:r>
+            <a:br>
+              <a:rPr lang="en-US" altLang="ja-JP" dirty="0" smtClean="0"/>
+            </a:br>
+            <a:r>
+              <a:rPr lang="en-US" altLang="ja-JP" dirty="0" smtClean="0"/>
+              <a:t>GitHub</a:t>
             </a:r>
             <a:r>
               <a:rPr lang="ja-JP" altLang="en-US" dirty="0" smtClean="0"/>
@@ -7253,18 +7313,15 @@
             </a:pPr>
             <a:r>
               <a:rPr lang="ja-JP" altLang="en-US" dirty="0" smtClean="0"/>
-              <a:t>＋新しいアプリを選び、アプリ名を入力する</a:t>
-            </a:r>
-            <a:r>
-              <a:rPr lang="en-US" altLang="ja-JP" dirty="0" smtClean="0"/>
-              <a:t/>
-            </a:r>
-            <a:br>
-              <a:rPr lang="en-US" altLang="ja-JP" dirty="0" smtClean="0"/>
-            </a:br>
-            <a:r>
-              <a:rPr lang="ja-JP" altLang="en-US" dirty="0" smtClean="0"/>
-              <a:t>（サンプルなので好きな名前をいれてしまいましょう）</a:t>
+              <a:t>＋新しいアプリを選び、アプリ名を「</a:t>
+            </a:r>
+            <a:r>
+              <a:rPr lang="en-US" altLang="ja-JP" dirty="0" err="1" smtClean="0"/>
+              <a:t>Shinsyu</a:t>
+            </a:r>
+            <a:r>
+              <a:rPr lang="ja-JP" altLang="en-US" dirty="0" smtClean="0"/>
+              <a:t>」で登録する</a:t>
             </a:r>
             <a:endParaRPr lang="en-US" altLang="ja-JP" dirty="0" smtClean="0"/>
           </a:p>
